--- a/박근모 - 메인/ppt/3조_isDattingDifficult-final.pptx
+++ b/박근모 - 메인/ppt/3조_isDattingDifficult-final.pptx
@@ -41120,9 +41120,9 @@
         <p:grpSpPr>
           <a:xfrm>
             <a:off x="8101942" y="1828925"/>
-            <a:ext cx="3284513" cy="2667765"/>
+            <a:ext cx="3284513" cy="2236878"/>
             <a:chOff x="1257299" y="2897024"/>
-            <a:chExt cx="2984528" cy="2667765"/>
+            <a:chExt cx="2984528" cy="2236878"/>
           </a:xfrm>
         </p:grpSpPr>
         <p:sp>
@@ -41250,7 +41250,7 @@
           <p:spPr>
             <a:xfrm>
               <a:off x="1435835" y="3318020"/>
-              <a:ext cx="2805992" cy="2246769"/>
+              <a:ext cx="2805992" cy="1815882"/>
             </a:xfrm>
             <a:prstGeom prst="rect">
               <a:avLst/>
@@ -41444,7 +41444,7 @@
                 <a:t>여러 개의 추천 루트</a:t>
               </a:r>
               <a:r>
-                <a:rPr lang="en-US" altLang="ko-KR" sz="1400" b="1" dirty="0">
+                <a:rPr lang="en-US" altLang="ko-KR" sz="1400" b="1" dirty="0" smtClean="0">
                   <a:solidFill>
                     <a:schemeClr val="bg1">
                       <a:lumMod val="50000"/>
@@ -41455,30 +41455,7 @@
                 </a:rPr>
                 <a:t>!</a:t>
               </a:r>
-              <a:r>
-                <a:rPr lang="en-US" altLang="ko-KR" sz="1400" dirty="0">
-                  <a:solidFill>
-                    <a:schemeClr val="bg1">
-                      <a:lumMod val="50000"/>
-                    </a:schemeClr>
-                  </a:solidFill>
-                  <a:latin typeface="온글잎 매일옥자체 Regular" panose="02000503000000000000" pitchFamily="2" charset="-127"/>
-                  <a:ea typeface="온글잎 매일옥자체 Regular" panose="02000503000000000000" pitchFamily="2" charset="-127"/>
-                </a:rPr>
-                <a:t/>
-              </a:r>
-              <a:br>
-                <a:rPr lang="en-US" altLang="ko-KR" sz="1400" dirty="0">
-                  <a:solidFill>
-                    <a:schemeClr val="bg1">
-                      <a:lumMod val="50000"/>
-                    </a:schemeClr>
-                  </a:solidFill>
-                  <a:latin typeface="온글잎 매일옥자체 Regular" panose="02000503000000000000" pitchFamily="2" charset="-127"/>
-                  <a:ea typeface="온글잎 매일옥자체 Regular" panose="02000503000000000000" pitchFamily="2" charset="-127"/>
-                </a:rPr>
-              </a:br>
-              <a:endParaRPr lang="en-US" altLang="ko-KR" sz="1400" dirty="0">
+              <a:endParaRPr lang="en-US" altLang="ko-KR" sz="1400" i="1" dirty="0">
                 <a:solidFill>
                   <a:schemeClr val="bg1">
                     <a:lumMod val="50000"/>
